--- a/Функциональная грамоность Дворец Конференция 2023/R_calc_Palace_Conference_2023/Images/Подготовка картинок.pptx
+++ b/Функциональная грамоность Дворец Конференция 2023/R_calc_Palace_Conference_2023/Images/Подготовка картинок.pptx
@@ -5,21 +5,22 @@
     <p:sldMasterId id="2147483648" r:id="rId1"/>
   </p:sldMasterIdLst>
   <p:notesMasterIdLst>
-    <p:notesMasterId r:id="rId12"/>
+    <p:notesMasterId r:id="rId13"/>
   </p:notesMasterIdLst>
   <p:handoutMasterIdLst>
-    <p:handoutMasterId r:id="rId13"/>
+    <p:handoutMasterId r:id="rId14"/>
   </p:handoutMasterIdLst>
   <p:sldIdLst>
     <p:sldId id="256" r:id="rId3"/>
     <p:sldId id="257" r:id="rId4"/>
-    <p:sldId id="258" r:id="rId5"/>
-    <p:sldId id="259" r:id="rId6"/>
-    <p:sldId id="260" r:id="rId7"/>
-    <p:sldId id="261" r:id="rId8"/>
-    <p:sldId id="262" r:id="rId9"/>
-    <p:sldId id="263" r:id="rId10"/>
-    <p:sldId id="264" r:id="rId11"/>
+    <p:sldId id="265" r:id="rId5"/>
+    <p:sldId id="258" r:id="rId6"/>
+    <p:sldId id="259" r:id="rId7"/>
+    <p:sldId id="260" r:id="rId8"/>
+    <p:sldId id="261" r:id="rId9"/>
+    <p:sldId id="262" r:id="rId10"/>
+    <p:sldId id="263" r:id="rId11"/>
+    <p:sldId id="264" r:id="rId12"/>
   </p:sldIdLst>
   <p:sldSz cx="12192000" cy="6858000"/>
   <p:notesSz cx="7103745" cy="10234295"/>
@@ -3565,7 +3566,178 @@
 </p:sld>
 </file>
 
+<file path=ppt/slides/slide10.xml><?xml version="1.0" encoding="utf-8"?>
+<p:sld xmlns:a="http://schemas.openxmlformats.org/drawingml/2006/main" xmlns:r="http://schemas.openxmlformats.org/officeDocument/2006/relationships" xmlns:p="http://schemas.openxmlformats.org/presentationml/2006/main">
+  <p:cSld>
+    <p:spTree>
+      <p:nvGrpSpPr>
+        <p:cNvPr id="1" name=""/>
+        <p:cNvGrpSpPr/>
+        <p:nvPr/>
+      </p:nvGrpSpPr>
+      <p:grpSpPr/>
+      <p:pic>
+        <p:nvPicPr>
+          <p:cNvPr id="3" name="Замещающее содержимое 2"/>
+          <p:cNvPicPr>
+            <a:picLocks noChangeAspect="1"/>
+          </p:cNvPicPr>
+          <p:nvPr>
+            <p:ph sz="quarter" idx="13"/>
+          </p:nvPr>
+        </p:nvPicPr>
+        <p:blipFill>
+          <a:blip r:embed="rId1"/>
+          <a:stretch>
+            <a:fillRect/>
+          </a:stretch>
+        </p:blipFill>
+        <p:spPr>
+          <a:xfrm>
+            <a:off x="1092200" y="467995"/>
+            <a:ext cx="9881870" cy="5558790"/>
+          </a:xfrm>
+          <a:prstGeom prst="rect">
+            <a:avLst/>
+          </a:prstGeom>
+        </p:spPr>
+      </p:pic>
+      <p:sp>
+        <p:nvSpPr>
+          <p:cNvPr id="4" name="Прямоугольник 3"/>
+          <p:cNvSpPr/>
+          <p:nvPr/>
+        </p:nvSpPr>
+        <p:spPr>
+          <a:xfrm>
+            <a:off x="1564958" y="2829560"/>
+            <a:ext cx="9062085" cy="1198880"/>
+          </a:xfrm>
+          <a:prstGeom prst="rect">
+            <a:avLst/>
+          </a:prstGeom>
+          <a:noFill/>
+          <a:ln>
+            <a:noFill/>
+          </a:ln>
+        </p:spPr>
+        <p:txBody>
+          <a:bodyPr wrap="none" rtlCol="0" anchor="t">
+            <a:spAutoFit/>
+          </a:bodyPr>
+          <a:p>
+            <a:pPr algn="ctr"/>
+            <a:r>
+              <a:rPr lang="ru-RU" altLang="ru-RU" sz="7200" b="1">
+                <a:ln w="9525">
+                  <a:solidFill>
+                    <a:schemeClr val="bg1"/>
+                  </a:solidFill>
+                  <a:prstDash val="solid"/>
+                </a:ln>
+                <a:solidFill>
+                  <a:schemeClr val="tx1"/>
+                </a:solidFill>
+                <a:effectLst>
+                  <a:outerShdw blurRad="12700" dist="38100" dir="2700000" algn="tl" rotWithShape="0">
+                    <a:schemeClr val="bg1">
+                      <a:lumMod val="50000"/>
+                    </a:schemeClr>
+                  </a:outerShdw>
+                </a:effectLst>
+              </a:rPr>
+              <a:t>Спасибо за внимание!</a:t>
+            </a:r>
+            <a:endParaRPr lang="ru-RU" altLang="ru-RU" sz="7200" b="1">
+              <a:ln w="9525">
+                <a:solidFill>
+                  <a:schemeClr val="bg1"/>
+                </a:solidFill>
+                <a:prstDash val="solid"/>
+              </a:ln>
+              <a:solidFill>
+                <a:schemeClr val="tx1"/>
+              </a:solidFill>
+              <a:effectLst>
+                <a:outerShdw blurRad="12700" dist="38100" dir="2700000" algn="tl" rotWithShape="0">
+                  <a:schemeClr val="bg1">
+                    <a:lumMod val="50000"/>
+                  </a:schemeClr>
+                </a:outerShdw>
+              </a:effectLst>
+            </a:endParaRPr>
+          </a:p>
+        </p:txBody>
+      </p:sp>
+    </p:spTree>
+  </p:cSld>
+  <p:clrMapOvr>
+    <a:masterClrMapping/>
+  </p:clrMapOvr>
+</p:sld>
+</file>
+
 <file path=ppt/slides/slide2.xml><?xml version="1.0" encoding="utf-8"?>
+<p:sld xmlns:a="http://schemas.openxmlformats.org/drawingml/2006/main" xmlns:r="http://schemas.openxmlformats.org/officeDocument/2006/relationships" xmlns:p="http://schemas.openxmlformats.org/presentationml/2006/main">
+  <p:cSld>
+    <p:spTree>
+      <p:nvGrpSpPr>
+        <p:cNvPr id="1" name=""/>
+        <p:cNvGrpSpPr/>
+        <p:nvPr/>
+      </p:nvGrpSpPr>
+      <p:grpSpPr/>
+      <p:pic>
+        <p:nvPicPr>
+          <p:cNvPr id="4" name="Замещающее содержимое 3"/>
+          <p:cNvPicPr>
+            <a:picLocks noChangeAspect="1"/>
+          </p:cNvPicPr>
+          <p:nvPr>
+            <p:ph sz="half" idx="1"/>
+          </p:nvPr>
+        </p:nvPicPr>
+        <p:blipFill>
+          <a:blip r:embed="rId1"/>
+          <a:stretch>
+            <a:fillRect/>
+          </a:stretch>
+        </p:blipFill>
+        <p:spPr>
+          <a:xfrm>
+            <a:off x="200660" y="398780"/>
+            <a:ext cx="10066020" cy="5662295"/>
+          </a:xfrm>
+          <a:prstGeom prst="rect">
+            <a:avLst/>
+          </a:prstGeom>
+        </p:spPr>
+      </p:pic>
+      <p:sp>
+        <p:nvSpPr>
+          <p:cNvPr id="2" name="Замещающее содержимое 1"/>
+          <p:cNvSpPr/>
+          <p:nvPr>
+            <p:ph sz="half" idx="2"/>
+          </p:nvPr>
+        </p:nvSpPr>
+        <p:spPr/>
+        <p:txBody>
+          <a:bodyPr/>
+          <a:p>
+            <a:endParaRPr lang="ru-RU" altLang="en-US"/>
+          </a:p>
+        </p:txBody>
+      </p:sp>
+    </p:spTree>
+  </p:cSld>
+  <p:clrMapOvr>
+    <a:masterClrMapping/>
+  </p:clrMapOvr>
+</p:sld>
+</file>
+
+<file path=ppt/slides/slide3.xml><?xml version="1.0" encoding="utf-8"?>
 <p:sld xmlns:a="http://schemas.openxmlformats.org/drawingml/2006/main" xmlns:r="http://schemas.openxmlformats.org/officeDocument/2006/relationships" xmlns:p="http://schemas.openxmlformats.org/presentationml/2006/main">
   <p:cSld>
     <p:spTree>
@@ -3715,7 +3887,7 @@
 </p:sld>
 </file>
 
-<file path=ppt/slides/slide3.xml><?xml version="1.0" encoding="utf-8"?>
+<file path=ppt/slides/slide4.xml><?xml version="1.0" encoding="utf-8"?>
 <p:sld xmlns:a="http://schemas.openxmlformats.org/drawingml/2006/main" xmlns:r="http://schemas.openxmlformats.org/officeDocument/2006/relationships" xmlns:p="http://schemas.openxmlformats.org/presentationml/2006/main">
   <p:cSld>
     <p:spTree>
@@ -4337,50 +4509,6 @@
 </p:sld>
 </file>
 
-<file path=ppt/slides/slide4.xml><?xml version="1.0" encoding="utf-8"?>
-<p:sld xmlns:a="http://schemas.openxmlformats.org/drawingml/2006/main" xmlns:r="http://schemas.openxmlformats.org/officeDocument/2006/relationships" xmlns:p="http://schemas.openxmlformats.org/presentationml/2006/main">
-  <p:cSld>
-    <p:spTree>
-      <p:nvGrpSpPr>
-        <p:cNvPr id="1" name=""/>
-        <p:cNvGrpSpPr/>
-        <p:nvPr/>
-      </p:nvGrpSpPr>
-      <p:grpSpPr/>
-      <p:pic>
-        <p:nvPicPr>
-          <p:cNvPr id="3" name="Замещающее содержимое 2"/>
-          <p:cNvPicPr>
-            <a:picLocks noChangeAspect="1"/>
-          </p:cNvPicPr>
-          <p:nvPr>
-            <p:ph sz="quarter" idx="13"/>
-          </p:nvPr>
-        </p:nvPicPr>
-        <p:blipFill>
-          <a:blip r:embed="rId1"/>
-          <a:stretch>
-            <a:fillRect/>
-          </a:stretch>
-        </p:blipFill>
-        <p:spPr>
-          <a:xfrm>
-            <a:off x="454660" y="368935"/>
-            <a:ext cx="11362055" cy="6391275"/>
-          </a:xfrm>
-          <a:prstGeom prst="rect">
-            <a:avLst/>
-          </a:prstGeom>
-        </p:spPr>
-      </p:pic>
-    </p:spTree>
-  </p:cSld>
-  <p:clrMapOvr>
-    <a:masterClrMapping/>
-  </p:clrMapOvr>
-</p:sld>
-</file>
-
 <file path=ppt/slides/slide5.xml><?xml version="1.0" encoding="utf-8"?>
 <p:sld xmlns:a="http://schemas.openxmlformats.org/drawingml/2006/main" xmlns:r="http://schemas.openxmlformats.org/officeDocument/2006/relationships" xmlns:p="http://schemas.openxmlformats.org/presentationml/2006/main">
   <p:cSld>
@@ -4403,31 +4531,18 @@
         </p:nvPicPr>
         <p:blipFill>
           <a:blip r:embed="rId1"/>
-          <a:srcRect l="42096" t="10692" r="23210" b="7745"/>
           <a:stretch>
             <a:fillRect/>
           </a:stretch>
         </p:blipFill>
         <p:spPr>
           <a:xfrm>
-            <a:off x="4107180" y="1014730"/>
-            <a:ext cx="3428365" cy="4533900"/>
+            <a:off x="454660" y="368935"/>
+            <a:ext cx="11362055" cy="6391275"/>
           </a:xfrm>
           <a:prstGeom prst="rect">
             <a:avLst/>
           </a:prstGeom>
-          <a:ln>
-            <a:gradFill>
-              <a:gsLst>
-                <a:gs pos="0">
-                  <a:srgbClr val="E30000"/>
-                </a:gs>
-                <a:gs pos="100000">
-                  <a:srgbClr val="760303"/>
-                </a:gs>
-              </a:gsLst>
-            </a:gradFill>
-          </a:ln>
         </p:spPr>
       </p:pic>
     </p:spTree>
@@ -4455,48 +4570,35 @@
             <a:picLocks noChangeAspect="1"/>
           </p:cNvPicPr>
           <p:nvPr>
-            <p:ph sz="half" idx="2"/>
+            <p:ph sz="quarter" idx="13"/>
           </p:nvPr>
         </p:nvPicPr>
         <p:blipFill>
           <a:blip r:embed="rId1"/>
+          <a:srcRect l="42096" t="10692" r="23210" b="7745"/>
           <a:stretch>
             <a:fillRect/>
           </a:stretch>
         </p:blipFill>
         <p:spPr>
           <a:xfrm>
-            <a:off x="80645" y="71755"/>
-            <a:ext cx="10741660" cy="6042660"/>
+            <a:off x="4107180" y="1014730"/>
+            <a:ext cx="3428365" cy="4533900"/>
           </a:xfrm>
           <a:prstGeom prst="rect">
             <a:avLst/>
           </a:prstGeom>
-        </p:spPr>
-      </p:pic>
-      <p:pic>
-        <p:nvPicPr>
-          <p:cNvPr id="105" name="Изображение 104"/>
-          <p:cNvPicPr/>
-          <p:nvPr/>
-        </p:nvPicPr>
-        <p:blipFill>
-          <a:blip r:embed="rId2"/>
-          <a:stretch>
-            <a:fillRect/>
-          </a:stretch>
-        </p:blipFill>
-        <p:spPr>
-          <a:xfrm>
-            <a:off x="8345805" y="0"/>
-            <a:ext cx="3028950" cy="1701165"/>
-          </a:xfrm>
-          <a:prstGeom prst="rect">
-            <a:avLst/>
-          </a:prstGeom>
-          <a:noFill/>
-          <a:ln w="9525">
-            <a:noFill/>
+          <a:ln>
+            <a:gradFill>
+              <a:gsLst>
+                <a:gs pos="0">
+                  <a:srgbClr val="E30000"/>
+                </a:gs>
+                <a:gs pos="100000">
+                  <a:srgbClr val="760303"/>
+                </a:gs>
+              </a:gsLst>
+            </a:gradFill>
           </a:ln>
         </p:spPr>
       </p:pic>
@@ -4520,40 +4622,53 @@
       <p:grpSpPr/>
       <p:pic>
         <p:nvPicPr>
-          <p:cNvPr id="5" name="Замещающее содержимое 4"/>
+          <p:cNvPr id="3" name="Замещающее содержимое 2"/>
           <p:cNvPicPr>
             <a:picLocks noChangeAspect="1"/>
           </p:cNvPicPr>
           <p:nvPr>
-            <p:ph sz="quarter" idx="13"/>
+            <p:ph sz="half" idx="2"/>
           </p:nvPr>
         </p:nvPicPr>
         <p:blipFill>
           <a:blip r:embed="rId1"/>
-          <a:srcRect l="17331" t="22287" r="20608" b="6797"/>
           <a:stretch>
             <a:fillRect/>
           </a:stretch>
         </p:blipFill>
         <p:spPr>
           <a:xfrm>
-            <a:off x="2867025" y="1790700"/>
-            <a:ext cx="6132830" cy="3942080"/>
+            <a:off x="80645" y="71755"/>
+            <a:ext cx="10741660" cy="6042660"/>
           </a:xfrm>
           <a:prstGeom prst="rect">
             <a:avLst/>
           </a:prstGeom>
-          <a:ln>
-            <a:gradFill>
-              <a:gsLst>
-                <a:gs pos="0">
-                  <a:srgbClr val="E30000"/>
-                </a:gs>
-                <a:gs pos="100000">
-                  <a:srgbClr val="760303"/>
-                </a:gs>
-              </a:gsLst>
-            </a:gradFill>
+        </p:spPr>
+      </p:pic>
+      <p:pic>
+        <p:nvPicPr>
+          <p:cNvPr id="105" name="Изображение 104"/>
+          <p:cNvPicPr/>
+          <p:nvPr/>
+        </p:nvPicPr>
+        <p:blipFill>
+          <a:blip r:embed="rId2"/>
+          <a:stretch>
+            <a:fillRect/>
+          </a:stretch>
+        </p:blipFill>
+        <p:spPr>
+          <a:xfrm>
+            <a:off x="8345805" y="0"/>
+            <a:ext cx="3028950" cy="1701165"/>
+          </a:xfrm>
+          <a:prstGeom prst="rect">
+            <a:avLst/>
+          </a:prstGeom>
+          <a:noFill/>
+          <a:ln w="9525">
+            <a:noFill/>
           </a:ln>
         </p:spPr>
       </p:pic>
@@ -4577,7 +4692,7 @@
       <p:grpSpPr/>
       <p:pic>
         <p:nvPicPr>
-          <p:cNvPr id="3" name="Замещающее содержимое 2"/>
+          <p:cNvPr id="5" name="Замещающее содержимое 4"/>
           <p:cNvPicPr>
             <a:picLocks noChangeAspect="1"/>
           </p:cNvPicPr>
@@ -4587,18 +4702,31 @@
         </p:nvPicPr>
         <p:blipFill>
           <a:blip r:embed="rId1"/>
+          <a:srcRect l="17331" t="22287" r="20608" b="6797"/>
           <a:stretch>
             <a:fillRect/>
           </a:stretch>
         </p:blipFill>
         <p:spPr>
           <a:xfrm>
-            <a:off x="1092200" y="467995"/>
-            <a:ext cx="9881870" cy="5558790"/>
+            <a:off x="2867025" y="1790700"/>
+            <a:ext cx="6132830" cy="3942080"/>
           </a:xfrm>
           <a:prstGeom prst="rect">
             <a:avLst/>
           </a:prstGeom>
+          <a:ln>
+            <a:gradFill>
+              <a:gsLst>
+                <a:gs pos="0">
+                  <a:srgbClr val="E30000"/>
+                </a:gs>
+                <a:gs pos="100000">
+                  <a:srgbClr val="760303"/>
+                </a:gs>
+              </a:gsLst>
+            </a:gradFill>
+          </a:ln>
         </p:spPr>
       </p:pic>
     </p:spTree>
@@ -4645,73 +4773,6 @@
           </a:prstGeom>
         </p:spPr>
       </p:pic>
-      <p:sp>
-        <p:nvSpPr>
-          <p:cNvPr id="4" name="Прямоугольник 3"/>
-          <p:cNvSpPr/>
-          <p:nvPr/>
-        </p:nvSpPr>
-        <p:spPr>
-          <a:xfrm>
-            <a:off x="1564958" y="2829560"/>
-            <a:ext cx="9062085" cy="1198880"/>
-          </a:xfrm>
-          <a:prstGeom prst="rect">
-            <a:avLst/>
-          </a:prstGeom>
-          <a:noFill/>
-          <a:ln>
-            <a:noFill/>
-          </a:ln>
-        </p:spPr>
-        <p:txBody>
-          <a:bodyPr wrap="none" rtlCol="0" anchor="t">
-            <a:spAutoFit/>
-          </a:bodyPr>
-          <a:p>
-            <a:pPr algn="ctr"/>
-            <a:r>
-              <a:rPr lang="ru-RU" altLang="ru-RU" sz="7200" b="1">
-                <a:ln w="9525">
-                  <a:solidFill>
-                    <a:schemeClr val="bg1"/>
-                  </a:solidFill>
-                  <a:prstDash val="solid"/>
-                </a:ln>
-                <a:solidFill>
-                  <a:schemeClr val="tx1"/>
-                </a:solidFill>
-                <a:effectLst>
-                  <a:outerShdw blurRad="12700" dist="38100" dir="2700000" algn="tl" rotWithShape="0">
-                    <a:schemeClr val="bg1">
-                      <a:lumMod val="50000"/>
-                    </a:schemeClr>
-                  </a:outerShdw>
-                </a:effectLst>
-              </a:rPr>
-              <a:t>Спасибо за внимание!</a:t>
-            </a:r>
-            <a:endParaRPr lang="ru-RU" altLang="ru-RU" sz="7200" b="1">
-              <a:ln w="9525">
-                <a:solidFill>
-                  <a:schemeClr val="bg1"/>
-                </a:solidFill>
-                <a:prstDash val="solid"/>
-              </a:ln>
-              <a:solidFill>
-                <a:schemeClr val="tx1"/>
-              </a:solidFill>
-              <a:effectLst>
-                <a:outerShdw blurRad="12700" dist="38100" dir="2700000" algn="tl" rotWithShape="0">
-                  <a:schemeClr val="bg1">
-                    <a:lumMod val="50000"/>
-                  </a:schemeClr>
-                </a:outerShdw>
-              </a:effectLst>
-            </a:endParaRPr>
-          </a:p>
-        </p:txBody>
-      </p:sp>
     </p:spTree>
   </p:cSld>
   <p:clrMapOvr>
